--- a/進捗まとめシート_Sylph_ 2022_05_16.pptx
+++ b/進捗まとめシート_Sylph_ 2022_05_16.pptx
@@ -112,10 +112,10 @@
   </p:defaultTextStyle>
   <p:extLst>
     <p:ext uri="{EFAFB233-063F-42B5-8137-9DF3F51BA10A}">
-      <p15:sldGuideLst xmlns:p15="http://schemas.microsoft.com/office/powerpoint/2012/main" xmlns=""/>
+      <p15:sldGuideLst xmlns="" xmlns:p15="http://schemas.microsoft.com/office/powerpoint/2012/main"/>
     </p:ext>
     <p:ext uri="{2D200454-40CA-4A62-9FC3-DE9A4176ACB9}">
-      <p15:notesGuideLst xmlns:p15="http://schemas.microsoft.com/office/powerpoint/2012/main" xmlns=""/>
+      <p15:notesGuideLst xmlns="" xmlns:p15="http://schemas.microsoft.com/office/powerpoint/2012/main"/>
     </p:ext>
   </p:extLst>
 </p:presentation>
@@ -1317,7 +1317,7 @@
     </p:spTree>
     <p:extLst>
       <p:ext uri="{BB962C8B-B14F-4D97-AF65-F5344CB8AC3E}">
-        <p14:creationId xmlns:p14="http://schemas.microsoft.com/office/powerpoint/2010/main" xmlns="" val="2710093546"/>
+        <p14:creationId xmlns="" xmlns:p14="http://schemas.microsoft.com/office/powerpoint/2010/main" val="2710093546"/>
       </p:ext>
     </p:extLst>
   </p:cSld>
@@ -1620,7 +1620,7 @@
     </p:spTree>
     <p:extLst>
       <p:ext uri="{BB962C8B-B14F-4D97-AF65-F5344CB8AC3E}">
-        <p14:creationId xmlns:p14="http://schemas.microsoft.com/office/powerpoint/2010/main" xmlns="" val="1131444983"/>
+        <p14:creationId xmlns="" xmlns:p14="http://schemas.microsoft.com/office/powerpoint/2010/main" val="1131444983"/>
       </p:ext>
     </p:extLst>
   </p:cSld>
@@ -1749,7 +1749,7 @@
           <a:blip r:embed="rId2" cstate="print">
             <a:extLst>
               <a:ext uri="{28A0092B-C50C-407E-A947-70E740481C1C}">
-                <a14:useLocalDpi xmlns:a14="http://schemas.microsoft.com/office/drawing/2010/main" xmlns="" val="0"/>
+                <a14:useLocalDpi xmlns="" xmlns:a14="http://schemas.microsoft.com/office/drawing/2010/main" val="0"/>
               </a:ext>
             </a:extLst>
           </a:blip>
@@ -1915,7 +1915,7 @@
     </p:spTree>
     <p:extLst>
       <p:ext uri="{BB962C8B-B14F-4D97-AF65-F5344CB8AC3E}">
-        <p14:creationId xmlns:p14="http://schemas.microsoft.com/office/powerpoint/2010/main" xmlns="" val="1940995223"/>
+        <p14:creationId xmlns="" xmlns:p14="http://schemas.microsoft.com/office/powerpoint/2010/main" val="1940995223"/>
       </p:ext>
     </p:extLst>
   </p:cSld>
@@ -1954,7 +1954,7 @@
           <a:blip r:embed="rId2" cstate="print">
             <a:extLst>
               <a:ext uri="{28A0092B-C50C-407E-A947-70E740481C1C}">
-                <a14:useLocalDpi xmlns:a14="http://schemas.microsoft.com/office/drawing/2010/main" xmlns="" val="0"/>
+                <a14:useLocalDpi xmlns="" xmlns:a14="http://schemas.microsoft.com/office/drawing/2010/main" val="0"/>
               </a:ext>
             </a:extLst>
           </a:blip>
@@ -2352,7 +2352,7 @@
     </p:spTree>
     <p:extLst>
       <p:ext uri="{BB962C8B-B14F-4D97-AF65-F5344CB8AC3E}">
-        <p14:creationId xmlns:p14="http://schemas.microsoft.com/office/powerpoint/2010/main" xmlns="" val="4288361427"/>
+        <p14:creationId xmlns="" xmlns:p14="http://schemas.microsoft.com/office/powerpoint/2010/main" val="4288361427"/>
       </p:ext>
     </p:extLst>
   </p:cSld>
@@ -2402,7 +2402,7 @@
           <a:blip r:embed="rId2" cstate="print">
             <a:extLst>
               <a:ext uri="{28A0092B-C50C-407E-A947-70E740481C1C}">
-                <a14:useLocalDpi xmlns:a14="http://schemas.microsoft.com/office/drawing/2010/main" xmlns="" val="0"/>
+                <a14:useLocalDpi xmlns="" xmlns:a14="http://schemas.microsoft.com/office/drawing/2010/main" val="0"/>
               </a:ext>
             </a:extLst>
           </a:blip>
@@ -2809,7 +2809,7 @@
           <a:blip r:embed="rId3" cstate="print">
             <a:extLst>
               <a:ext uri="{28A0092B-C50C-407E-A947-70E740481C1C}">
-                <a14:useLocalDpi xmlns:a14="http://schemas.microsoft.com/office/drawing/2010/main" xmlns="" val="0"/>
+                <a14:useLocalDpi xmlns="" xmlns:a14="http://schemas.microsoft.com/office/drawing/2010/main" val="0"/>
               </a:ext>
             </a:extLst>
           </a:blip>
@@ -2830,7 +2830,7 @@
     </p:spTree>
     <p:extLst>
       <p:ext uri="{BB962C8B-B14F-4D97-AF65-F5344CB8AC3E}">
-        <p14:creationId xmlns:p14="http://schemas.microsoft.com/office/powerpoint/2010/main" xmlns="" val="766477751"/>
+        <p14:creationId xmlns="" xmlns:p14="http://schemas.microsoft.com/office/powerpoint/2010/main" val="766477751"/>
       </p:ext>
     </p:extLst>
   </p:cSld>
@@ -2880,7 +2880,7 @@
           <a:blip r:embed="rId2" cstate="print">
             <a:extLst>
               <a:ext uri="{28A0092B-C50C-407E-A947-70E740481C1C}">
-                <a14:useLocalDpi xmlns:a14="http://schemas.microsoft.com/office/drawing/2010/main" xmlns="" val="0"/>
+                <a14:useLocalDpi xmlns="" xmlns:a14="http://schemas.microsoft.com/office/drawing/2010/main" val="0"/>
               </a:ext>
             </a:extLst>
           </a:blip>
@@ -3217,7 +3217,7 @@
     </p:spTree>
     <p:extLst>
       <p:ext uri="{BB962C8B-B14F-4D97-AF65-F5344CB8AC3E}">
-        <p14:creationId xmlns:p14="http://schemas.microsoft.com/office/powerpoint/2010/main" xmlns="" val="3677853503"/>
+        <p14:creationId xmlns="" xmlns:p14="http://schemas.microsoft.com/office/powerpoint/2010/main" val="3677853503"/>
       </p:ext>
     </p:extLst>
   </p:cSld>
@@ -3507,7 +3507,7 @@
     </p:spTree>
     <p:extLst>
       <p:ext uri="{BB962C8B-B14F-4D97-AF65-F5344CB8AC3E}">
-        <p14:creationId xmlns:p14="http://schemas.microsoft.com/office/powerpoint/2010/main" xmlns="" val="2034319336"/>
+        <p14:creationId xmlns="" xmlns:p14="http://schemas.microsoft.com/office/powerpoint/2010/main" val="2034319336"/>
       </p:ext>
     </p:extLst>
   </p:cSld>
@@ -3841,7 +3841,7 @@
             <p:ph sz="quarter" idx="13"/>
             <p:extLst>
               <p:ext uri="{D42A27DB-BD31-4B8C-83A1-F6EECF244321}">
-                <p14:modId xmlns:p14="http://schemas.microsoft.com/office/powerpoint/2010/main" xmlns="" val="70542802"/>
+                <p14:modId xmlns="" xmlns:p14="http://schemas.microsoft.com/office/powerpoint/2010/main" val="70542802"/>
               </p:ext>
             </p:extLst>
           </p:nvPr>
@@ -3860,14 +3860,14 @@
                 <a:gridCol w="5494338">
                   <a:extLst>
                     <a:ext uri="{9D8B030D-6E8A-4147-A177-3AD203B41FA5}">
-                      <a16:colId xmlns:a16="http://schemas.microsoft.com/office/drawing/2014/main" xmlns="" val="20000"/>
+                      <a16:colId xmlns="" xmlns:a16="http://schemas.microsoft.com/office/drawing/2014/main" val="20000"/>
                     </a:ext>
                   </a:extLst>
                 </a:gridCol>
                 <a:gridCol w="5494338">
                   <a:extLst>
                     <a:ext uri="{9D8B030D-6E8A-4147-A177-3AD203B41FA5}">
-                      <a16:colId xmlns:a16="http://schemas.microsoft.com/office/drawing/2014/main" xmlns="" val="20001"/>
+                      <a16:colId xmlns="" xmlns:a16="http://schemas.microsoft.com/office/drawing/2014/main" val="20001"/>
                     </a:ext>
                   </a:extLst>
                 </a:gridCol>
@@ -3917,7 +3917,7 @@
                 </a:tc>
                 <a:extLst>
                   <a:ext uri="{0D108BD9-81ED-4DB2-BD59-A6C34878D82A}">
-                    <a16:rowId xmlns:a16="http://schemas.microsoft.com/office/drawing/2014/main" xmlns="" val="10000"/>
+                    <a16:rowId xmlns="" xmlns:a16="http://schemas.microsoft.com/office/drawing/2014/main" val="10000"/>
                   </a:ext>
                 </a:extLst>
               </a:tr>
@@ -3947,17 +3947,31 @@
                           <a:latin typeface="+mn-ea"/>
                           <a:ea typeface="+mn-ea"/>
                         </a:rPr>
-                        <a:t>80%</a:t>
+                        <a:t>70</a:t>
+                      </a:r>
+                      <a:r>
+                        <a:rPr kumimoji="1" lang="en-US" altLang="ja-JP" sz="4400" dirty="0" smtClean="0">
+                          <a:latin typeface="+mn-ea"/>
+                          <a:ea typeface="+mn-ea"/>
+                        </a:rPr>
+                        <a:t>%</a:t>
                       </a:r>
                     </a:p>
                     <a:p>
                       <a:pPr algn="ctr"/>
                       <a:r>
-                        <a:rPr kumimoji="1" lang="ja-JP" altLang="en-US" sz="4400" dirty="0" smtClean="0">
+                        <a:rPr kumimoji="1" lang="ja-JP" altLang="en-US" sz="4400" smtClean="0">
                           <a:latin typeface="+mn-ea"/>
                           <a:ea typeface="+mn-ea"/>
                         </a:rPr>
-                        <a:t>試験問題</a:t>
+                        <a:t>試験</a:t>
+                      </a:r>
+                      <a:r>
+                        <a:rPr kumimoji="1" lang="ja-JP" altLang="en-US" sz="4400" smtClean="0">
+                          <a:latin typeface="+mn-ea"/>
+                          <a:ea typeface="+mn-ea"/>
+                        </a:rPr>
+                        <a:t>問題作成</a:t>
                       </a:r>
                       <a:endParaRPr kumimoji="1" lang="en-US" altLang="ja-JP" sz="4400" dirty="0" smtClean="0">
                         <a:latin typeface="+mn-ea"/>
@@ -4014,7 +4028,7 @@
                 </a:tc>
                 <a:extLst>
                   <a:ext uri="{0D108BD9-81ED-4DB2-BD59-A6C34878D82A}">
-                    <a16:rowId xmlns:a16="http://schemas.microsoft.com/office/drawing/2014/main" xmlns="" val="10001"/>
+                    <a16:rowId xmlns="" xmlns:a16="http://schemas.microsoft.com/office/drawing/2014/main" val="10001"/>
                   </a:ext>
                 </a:extLst>
               </a:tr>
@@ -4082,7 +4096,7 @@
                 </a:tc>
                 <a:extLst>
                   <a:ext uri="{0D108BD9-81ED-4DB2-BD59-A6C34878D82A}">
-                    <a16:rowId xmlns:a16="http://schemas.microsoft.com/office/drawing/2014/main" xmlns="" val="10002"/>
+                    <a16:rowId xmlns="" xmlns:a16="http://schemas.microsoft.com/office/drawing/2014/main" val="10002"/>
                   </a:ext>
                 </a:extLst>
               </a:tr>
@@ -4141,7 +4155,7 @@
                 </a:tc>
                 <a:extLst>
                   <a:ext uri="{0D108BD9-81ED-4DB2-BD59-A6C34878D82A}">
-                    <a16:rowId xmlns:a16="http://schemas.microsoft.com/office/drawing/2014/main" xmlns="" val="10003"/>
+                    <a16:rowId xmlns="" xmlns:a16="http://schemas.microsoft.com/office/drawing/2014/main" val="10003"/>
                   </a:ext>
                 </a:extLst>
               </a:tr>
@@ -4179,7 +4193,7 @@
           <p:cNvPr id="4" name="スライド番号プレースホルダー 3">
             <a:extLst>
               <a:ext uri="{FF2B5EF4-FFF2-40B4-BE49-F238E27FC236}">
-                <a16:creationId xmlns:a16="http://schemas.microsoft.com/office/drawing/2014/main" xmlns="" id="{0CF9481B-BB67-41C6-8CF2-054B93E183F2}"/>
+                <a16:creationId xmlns="" xmlns:a16="http://schemas.microsoft.com/office/drawing/2014/main" id="{0CF9481B-BB67-41C6-8CF2-054B93E183F2}"/>
               </a:ext>
             </a:extLst>
           </p:cNvPr>
@@ -4213,7 +4227,7 @@
           <p:nvPr>
             <p:extLst>
               <p:ext uri="{D42A27DB-BD31-4B8C-83A1-F6EECF244321}">
-                <p14:modId xmlns:p14="http://schemas.microsoft.com/office/powerpoint/2010/main" xmlns="" val="612755325"/>
+                <p14:modId xmlns="" xmlns:p14="http://schemas.microsoft.com/office/powerpoint/2010/main" val="612755325"/>
               </p:ext>
             </p:extLst>
           </p:nvPr>
@@ -4232,42 +4246,42 @@
                 <a:gridCol w="1671637">
                   <a:extLst>
                     <a:ext uri="{9D8B030D-6E8A-4147-A177-3AD203B41FA5}">
-                      <a16:colId xmlns:a16="http://schemas.microsoft.com/office/drawing/2014/main" xmlns="" val="20000"/>
+                      <a16:colId xmlns="" xmlns:a16="http://schemas.microsoft.com/office/drawing/2014/main" val="20000"/>
                     </a:ext>
                   </a:extLst>
                 </a:gridCol>
                 <a:gridCol w="3822701">
                   <a:extLst>
                     <a:ext uri="{9D8B030D-6E8A-4147-A177-3AD203B41FA5}">
-                      <a16:colId xmlns:a16="http://schemas.microsoft.com/office/drawing/2014/main" xmlns="" val="20001"/>
+                      <a16:colId xmlns="" xmlns:a16="http://schemas.microsoft.com/office/drawing/2014/main" val="20001"/>
                     </a:ext>
                   </a:extLst>
                 </a:gridCol>
                 <a:gridCol w="1003299">
                   <a:extLst>
                     <a:ext uri="{9D8B030D-6E8A-4147-A177-3AD203B41FA5}">
-                      <a16:colId xmlns:a16="http://schemas.microsoft.com/office/drawing/2014/main" xmlns="" val="20002"/>
+                      <a16:colId xmlns="" xmlns:a16="http://schemas.microsoft.com/office/drawing/2014/main" val="20002"/>
                     </a:ext>
                   </a:extLst>
                 </a:gridCol>
                 <a:gridCol w="1887415">
                   <a:extLst>
                     <a:ext uri="{9D8B030D-6E8A-4147-A177-3AD203B41FA5}">
-                      <a16:colId xmlns:a16="http://schemas.microsoft.com/office/drawing/2014/main" xmlns="" val="20003"/>
+                      <a16:colId xmlns="" xmlns:a16="http://schemas.microsoft.com/office/drawing/2014/main" val="20003"/>
                     </a:ext>
                   </a:extLst>
                 </a:gridCol>
                 <a:gridCol w="961293">
                   <a:extLst>
                     <a:ext uri="{9D8B030D-6E8A-4147-A177-3AD203B41FA5}">
-                      <a16:colId xmlns:a16="http://schemas.microsoft.com/office/drawing/2014/main" xmlns="" val="20004"/>
+                      <a16:colId xmlns="" xmlns:a16="http://schemas.microsoft.com/office/drawing/2014/main" val="20004"/>
                     </a:ext>
                   </a:extLst>
                 </a:gridCol>
                 <a:gridCol w="1642333">
                   <a:extLst>
                     <a:ext uri="{9D8B030D-6E8A-4147-A177-3AD203B41FA5}">
-                      <a16:colId xmlns:a16="http://schemas.microsoft.com/office/drawing/2014/main" xmlns="" val="20005"/>
+                      <a16:colId xmlns="" xmlns:a16="http://schemas.microsoft.com/office/drawing/2014/main" val="20005"/>
                     </a:ext>
                   </a:extLst>
                 </a:gridCol>
@@ -4368,7 +4382,7 @@
                 </a:tc>
                 <a:extLst>
                   <a:ext uri="{0D108BD9-81ED-4DB2-BD59-A6C34878D82A}">
-                    <a16:rowId xmlns:a16="http://schemas.microsoft.com/office/drawing/2014/main" xmlns="" val="10000"/>
+                    <a16:rowId xmlns="" xmlns:a16="http://schemas.microsoft.com/office/drawing/2014/main" val="10000"/>
                   </a:ext>
                 </a:extLst>
               </a:tr>
@@ -4379,7 +4393,7 @@
     </p:spTree>
     <p:extLst>
       <p:ext uri="{BB962C8B-B14F-4D97-AF65-F5344CB8AC3E}">
-        <p14:creationId xmlns:p14="http://schemas.microsoft.com/office/powerpoint/2010/main" xmlns="" val="3816830875"/>
+        <p14:creationId xmlns="" xmlns:p14="http://schemas.microsoft.com/office/powerpoint/2010/main" val="3816830875"/>
       </p:ext>
     </p:extLst>
   </p:cSld>
@@ -4617,7 +4631,7 @@
   <a:extraClrSchemeLst/>
   <a:extLst>
     <a:ext uri="{05A4C25C-085E-4340-85A3-A5531E510DB2}">
-      <thm15:themeFamily xmlns:thm15="http://schemas.microsoft.com/office/thememl/2012/main" xmlns="" name="Gips" id="{8143D5AD-E039-4082-8312-C3AD092E6E5E}" vid="{B45254E5-60AD-4347-B208-823FFFD2FCD0}"/>
+      <thm15:themeFamily xmlns="" xmlns:thm15="http://schemas.microsoft.com/office/thememl/2012/main" name="Gips" id="{8143D5AD-E039-4082-8312-C3AD092E6E5E}" vid="{B45254E5-60AD-4347-B208-823FFFD2FCD0}"/>
     </a:ext>
   </a:extLst>
 </a:theme>
@@ -4878,7 +4892,7 @@
   <a:extraClrSchemeLst/>
   <a:extLst>
     <a:ext uri="{05A4C25C-085E-4340-85A3-A5531E510DB2}">
-      <thm15:themeFamily xmlns:thm15="http://schemas.microsoft.com/office/thememl/2012/main" xmlns="" name="Office Theme" id="{62F939B6-93AF-4DB8-9C6B-D6C7DFDC589F}" vid="{4A3C46E8-61CC-4603-A589-7422A47A8E4A}"/>
+      <thm15:themeFamily xmlns="" xmlns:thm15="http://schemas.microsoft.com/office/thememl/2012/main" name="Office Theme" id="{62F939B6-93AF-4DB8-9C6B-D6C7DFDC589F}" vid="{4A3C46E8-61CC-4603-A589-7422A47A8E4A}"/>
     </a:ext>
   </a:extLst>
 </a:theme>
@@ -5139,7 +5153,7 @@
   <a:extraClrSchemeLst/>
   <a:extLst>
     <a:ext uri="{05A4C25C-085E-4340-85A3-A5531E510DB2}">
-      <thm15:themeFamily xmlns:thm15="http://schemas.microsoft.com/office/thememl/2012/main" xmlns="" name="Office Theme" id="{62F939B6-93AF-4DB8-9C6B-D6C7DFDC589F}" vid="{4A3C46E8-61CC-4603-A589-7422A47A8E4A}"/>
+      <thm15:themeFamily xmlns="" xmlns:thm15="http://schemas.microsoft.com/office/thememl/2012/main" name="Office Theme" id="{62F939B6-93AF-4DB8-9C6B-D6C7DFDC589F}" vid="{4A3C46E8-61CC-4603-A589-7422A47A8E4A}"/>
     </a:ext>
   </a:extLst>
 </a:theme>

--- a/進捗まとめシート_Sylph_ 2022_05_16.pptx
+++ b/進捗まとめシート_Sylph_ 2022_05_16.pptx
@@ -112,10 +112,10 @@
   </p:defaultTextStyle>
   <p:extLst>
     <p:ext uri="{EFAFB233-063F-42B5-8137-9DF3F51BA10A}">
-      <p15:sldGuideLst xmlns="" xmlns:p15="http://schemas.microsoft.com/office/powerpoint/2012/main"/>
+      <p15:sldGuideLst xmlns:p15="http://schemas.microsoft.com/office/powerpoint/2012/main" xmlns=""/>
     </p:ext>
     <p:ext uri="{2D200454-40CA-4A62-9FC3-DE9A4176ACB9}">
-      <p15:notesGuideLst xmlns="" xmlns:p15="http://schemas.microsoft.com/office/powerpoint/2012/main"/>
+      <p15:notesGuideLst xmlns:p15="http://schemas.microsoft.com/office/powerpoint/2012/main" xmlns=""/>
     </p:ext>
   </p:extLst>
 </p:presentation>
@@ -1271,7 +1271,7 @@
                 <a:ea typeface="游ゴシック" panose="020B0400000000000000" pitchFamily="50" charset="-128"/>
               </a:rPr>
               <a:pPr/>
-              <a:t>2022/5/16</a:t>
+              <a:t>2022/5/17</a:t>
             </a:fld>
             <a:endParaRPr kumimoji="1" lang="ja-JP" altLang="en-US" dirty="0">
               <a:latin typeface="游ゴシック" panose="020B0400000000000000" pitchFamily="50" charset="-128"/>
@@ -1317,7 +1317,7 @@
     </p:spTree>
     <p:extLst>
       <p:ext uri="{BB962C8B-B14F-4D97-AF65-F5344CB8AC3E}">
-        <p14:creationId xmlns="" xmlns:p14="http://schemas.microsoft.com/office/powerpoint/2010/main" val="2710093546"/>
+        <p14:creationId xmlns:p14="http://schemas.microsoft.com/office/powerpoint/2010/main" xmlns="" val="2710093546"/>
       </p:ext>
     </p:extLst>
   </p:cSld>
@@ -1414,7 +1414,7 @@
             <a:fld id="{1B6081A5-4D32-479A-A517-BED8914AF4C5}" type="datetimeFigureOut">
               <a:rPr lang="ja-JP" altLang="en-US" smtClean="0"/>
               <a:pPr/>
-              <a:t>2022/5/16</a:t>
+              <a:t>2022/5/17</a:t>
             </a:fld>
             <a:endParaRPr lang="ja-JP" altLang="en-US" dirty="0"/>
           </a:p>
@@ -1620,7 +1620,7 @@
     </p:spTree>
     <p:extLst>
       <p:ext uri="{BB962C8B-B14F-4D97-AF65-F5344CB8AC3E}">
-        <p14:creationId xmlns="" xmlns:p14="http://schemas.microsoft.com/office/powerpoint/2010/main" val="1131444983"/>
+        <p14:creationId xmlns:p14="http://schemas.microsoft.com/office/powerpoint/2010/main" xmlns="" val="1131444983"/>
       </p:ext>
     </p:extLst>
   </p:cSld>
@@ -1749,7 +1749,7 @@
           <a:blip r:embed="rId2" cstate="print">
             <a:extLst>
               <a:ext uri="{28A0092B-C50C-407E-A947-70E740481C1C}">
-                <a14:useLocalDpi xmlns="" xmlns:a14="http://schemas.microsoft.com/office/drawing/2010/main" val="0"/>
+                <a14:useLocalDpi xmlns:a14="http://schemas.microsoft.com/office/drawing/2010/main" xmlns="" val="0"/>
               </a:ext>
             </a:extLst>
           </a:blip>
@@ -1915,7 +1915,7 @@
     </p:spTree>
     <p:extLst>
       <p:ext uri="{BB962C8B-B14F-4D97-AF65-F5344CB8AC3E}">
-        <p14:creationId xmlns="" xmlns:p14="http://schemas.microsoft.com/office/powerpoint/2010/main" val="1940995223"/>
+        <p14:creationId xmlns:p14="http://schemas.microsoft.com/office/powerpoint/2010/main" xmlns="" val="1940995223"/>
       </p:ext>
     </p:extLst>
   </p:cSld>
@@ -1954,7 +1954,7 @@
           <a:blip r:embed="rId2" cstate="print">
             <a:extLst>
               <a:ext uri="{28A0092B-C50C-407E-A947-70E740481C1C}">
-                <a14:useLocalDpi xmlns="" xmlns:a14="http://schemas.microsoft.com/office/drawing/2010/main" val="0"/>
+                <a14:useLocalDpi xmlns:a14="http://schemas.microsoft.com/office/drawing/2010/main" xmlns="" val="0"/>
               </a:ext>
             </a:extLst>
           </a:blip>
@@ -2352,7 +2352,7 @@
     </p:spTree>
     <p:extLst>
       <p:ext uri="{BB962C8B-B14F-4D97-AF65-F5344CB8AC3E}">
-        <p14:creationId xmlns="" xmlns:p14="http://schemas.microsoft.com/office/powerpoint/2010/main" val="4288361427"/>
+        <p14:creationId xmlns:p14="http://schemas.microsoft.com/office/powerpoint/2010/main" xmlns="" val="4288361427"/>
       </p:ext>
     </p:extLst>
   </p:cSld>
@@ -2402,7 +2402,7 @@
           <a:blip r:embed="rId2" cstate="print">
             <a:extLst>
               <a:ext uri="{28A0092B-C50C-407E-A947-70E740481C1C}">
-                <a14:useLocalDpi xmlns="" xmlns:a14="http://schemas.microsoft.com/office/drawing/2010/main" val="0"/>
+                <a14:useLocalDpi xmlns:a14="http://schemas.microsoft.com/office/drawing/2010/main" xmlns="" val="0"/>
               </a:ext>
             </a:extLst>
           </a:blip>
@@ -2809,7 +2809,7 @@
           <a:blip r:embed="rId3" cstate="print">
             <a:extLst>
               <a:ext uri="{28A0092B-C50C-407E-A947-70E740481C1C}">
-                <a14:useLocalDpi xmlns="" xmlns:a14="http://schemas.microsoft.com/office/drawing/2010/main" val="0"/>
+                <a14:useLocalDpi xmlns:a14="http://schemas.microsoft.com/office/drawing/2010/main" xmlns="" val="0"/>
               </a:ext>
             </a:extLst>
           </a:blip>
@@ -2830,7 +2830,7 @@
     </p:spTree>
     <p:extLst>
       <p:ext uri="{BB962C8B-B14F-4D97-AF65-F5344CB8AC3E}">
-        <p14:creationId xmlns="" xmlns:p14="http://schemas.microsoft.com/office/powerpoint/2010/main" val="766477751"/>
+        <p14:creationId xmlns:p14="http://schemas.microsoft.com/office/powerpoint/2010/main" xmlns="" val="766477751"/>
       </p:ext>
     </p:extLst>
   </p:cSld>
@@ -2880,7 +2880,7 @@
           <a:blip r:embed="rId2" cstate="print">
             <a:extLst>
               <a:ext uri="{28A0092B-C50C-407E-A947-70E740481C1C}">
-                <a14:useLocalDpi xmlns="" xmlns:a14="http://schemas.microsoft.com/office/drawing/2010/main" val="0"/>
+                <a14:useLocalDpi xmlns:a14="http://schemas.microsoft.com/office/drawing/2010/main" xmlns="" val="0"/>
               </a:ext>
             </a:extLst>
           </a:blip>
@@ -3217,7 +3217,7 @@
     </p:spTree>
     <p:extLst>
       <p:ext uri="{BB962C8B-B14F-4D97-AF65-F5344CB8AC3E}">
-        <p14:creationId xmlns="" xmlns:p14="http://schemas.microsoft.com/office/powerpoint/2010/main" val="3677853503"/>
+        <p14:creationId xmlns:p14="http://schemas.microsoft.com/office/powerpoint/2010/main" xmlns="" val="3677853503"/>
       </p:ext>
     </p:extLst>
   </p:cSld>
@@ -3415,7 +3415,7 @@
             <a:fld id="{27508224-63BA-4D56-960E-20307D034E7E}" type="datetimeFigureOut">
               <a:rPr lang="ja-JP" altLang="en-US" smtClean="0"/>
               <a:pPr/>
-              <a:t>2022/5/16</a:t>
+              <a:t>2022/5/17</a:t>
             </a:fld>
             <a:endParaRPr lang="ja-JP" altLang="en-US"/>
           </a:p>
@@ -3507,7 +3507,7 @@
     </p:spTree>
     <p:extLst>
       <p:ext uri="{BB962C8B-B14F-4D97-AF65-F5344CB8AC3E}">
-        <p14:creationId xmlns="" xmlns:p14="http://schemas.microsoft.com/office/powerpoint/2010/main" val="2034319336"/>
+        <p14:creationId xmlns:p14="http://schemas.microsoft.com/office/powerpoint/2010/main" xmlns="" val="2034319336"/>
       </p:ext>
     </p:extLst>
   </p:cSld>
@@ -3841,14 +3841,14 @@
             <p:ph sz="quarter" idx="13"/>
             <p:extLst>
               <p:ext uri="{D42A27DB-BD31-4B8C-83A1-F6EECF244321}">
-                <p14:modId xmlns="" xmlns:p14="http://schemas.microsoft.com/office/powerpoint/2010/main" val="70542802"/>
+                <p14:modId xmlns:p14="http://schemas.microsoft.com/office/powerpoint/2010/main" xmlns="" val="70542802"/>
               </p:ext>
             </p:extLst>
           </p:nvPr>
         </p:nvGraphicFramePr>
         <p:xfrm>
           <a:off x="677863" y="1465609"/>
-          <a:ext cx="10988676" cy="5201891"/>
+          <a:ext cx="10988676" cy="4798422"/>
         </p:xfrm>
         <a:graphic>
           <a:graphicData uri="http://schemas.openxmlformats.org/drawingml/2006/table">
@@ -3860,14 +3860,14 @@
                 <a:gridCol w="5494338">
                   <a:extLst>
                     <a:ext uri="{9D8B030D-6E8A-4147-A177-3AD203B41FA5}">
-                      <a16:colId xmlns="" xmlns:a16="http://schemas.microsoft.com/office/drawing/2014/main" val="20000"/>
+                      <a16:colId xmlns:a16="http://schemas.microsoft.com/office/drawing/2014/main" xmlns="" val="20000"/>
                     </a:ext>
                   </a:extLst>
                 </a:gridCol>
                 <a:gridCol w="5494338">
                   <a:extLst>
                     <a:ext uri="{9D8B030D-6E8A-4147-A177-3AD203B41FA5}">
-                      <a16:colId xmlns="" xmlns:a16="http://schemas.microsoft.com/office/drawing/2014/main" val="20001"/>
+                      <a16:colId xmlns:a16="http://schemas.microsoft.com/office/drawing/2014/main" xmlns="" val="20001"/>
                     </a:ext>
                   </a:extLst>
                 </a:gridCol>
@@ -3917,7 +3917,7 @@
                 </a:tc>
                 <a:extLst>
                   <a:ext uri="{0D108BD9-81ED-4DB2-BD59-A6C34878D82A}">
-                    <a16:rowId xmlns="" xmlns:a16="http://schemas.microsoft.com/office/drawing/2014/main" val="10000"/>
+                    <a16:rowId xmlns:a16="http://schemas.microsoft.com/office/drawing/2014/main" xmlns="" val="10000"/>
                   </a:ext>
                 </a:extLst>
               </a:tr>
@@ -3947,14 +3947,7 @@
                           <a:latin typeface="+mn-ea"/>
                           <a:ea typeface="+mn-ea"/>
                         </a:rPr>
-                        <a:t>70</a:t>
-                      </a:r>
-                      <a:r>
-                        <a:rPr kumimoji="1" lang="en-US" altLang="ja-JP" sz="4400" dirty="0" smtClean="0">
-                          <a:latin typeface="+mn-ea"/>
-                          <a:ea typeface="+mn-ea"/>
-                        </a:rPr>
-                        <a:t>%</a:t>
+                        <a:t>70%</a:t>
                       </a:r>
                     </a:p>
                     <a:p>
@@ -3964,14 +3957,7 @@
                           <a:latin typeface="+mn-ea"/>
                           <a:ea typeface="+mn-ea"/>
                         </a:rPr>
-                        <a:t>試験</a:t>
-                      </a:r>
-                      <a:r>
-                        <a:rPr kumimoji="1" lang="ja-JP" altLang="en-US" sz="4400" smtClean="0">
-                          <a:latin typeface="+mn-ea"/>
-                          <a:ea typeface="+mn-ea"/>
-                        </a:rPr>
-                        <a:t>問題作成</a:t>
+                        <a:t>試験問題作成</a:t>
                       </a:r>
                       <a:endParaRPr kumimoji="1" lang="en-US" altLang="ja-JP" sz="4400" dirty="0" smtClean="0">
                         <a:latin typeface="+mn-ea"/>
@@ -3995,26 +3981,23 @@
                     <a:p>
                       <a:pPr algn="ctr"/>
                       <a:r>
-                        <a:rPr kumimoji="1" lang="ja-JP" altLang="en-US" sz="4400" dirty="0">
+                        <a:rPr kumimoji="1" lang="ja-JP" altLang="en-US" sz="4400" dirty="0" smtClean="0">
                           <a:latin typeface="+mn-ea"/>
                           <a:ea typeface="+mn-ea"/>
                         </a:rPr>
-                        <a:t>内部設計書のレビューを完了します</a:t>
+                        <a:t>製造</a:t>
                       </a:r>
-                      <a:endParaRPr kumimoji="1" lang="en-US" altLang="ja-JP" sz="4400" dirty="0">
+                      <a:r>
+                        <a:rPr kumimoji="1" lang="en-US" altLang="ja-JP" sz="4400" smtClean="0">
+                          <a:latin typeface="+mn-ea"/>
+                          <a:ea typeface="+mn-ea"/>
+                        </a:rPr>
+                        <a:t>40%</a:t>
+                      </a:r>
+                      <a:endParaRPr kumimoji="1" lang="ja-JP" altLang="en-US" sz="4400" dirty="0">
                         <a:latin typeface="+mn-ea"/>
                         <a:ea typeface="+mn-ea"/>
                       </a:endParaRPr>
-                    </a:p>
-                    <a:p>
-                      <a:pPr algn="ctr"/>
-                      <a:r>
-                        <a:rPr kumimoji="1" lang="ja-JP" altLang="en-US" sz="4400" dirty="0">
-                          <a:latin typeface="+mn-ea"/>
-                          <a:ea typeface="+mn-ea"/>
-                        </a:rPr>
-                        <a:t>製造に入ります</a:t>
-                      </a:r>
                     </a:p>
                   </a:txBody>
                   <a:tcPr anchor="ctr">
@@ -4028,7 +4011,7 @@
                 </a:tc>
                 <a:extLst>
                   <a:ext uri="{0D108BD9-81ED-4DB2-BD59-A6C34878D82A}">
-                    <a16:rowId xmlns="" xmlns:a16="http://schemas.microsoft.com/office/drawing/2014/main" val="10001"/>
+                    <a16:rowId xmlns:a16="http://schemas.microsoft.com/office/drawing/2014/main" xmlns="" val="10001"/>
                   </a:ext>
                 </a:extLst>
               </a:tr>
@@ -4096,7 +4079,7 @@
                 </a:tc>
                 <a:extLst>
                   <a:ext uri="{0D108BD9-81ED-4DB2-BD59-A6C34878D82A}">
-                    <a16:rowId xmlns="" xmlns:a16="http://schemas.microsoft.com/office/drawing/2014/main" val="10002"/>
+                    <a16:rowId xmlns:a16="http://schemas.microsoft.com/office/drawing/2014/main" xmlns="" val="10002"/>
                   </a:ext>
                 </a:extLst>
               </a:tr>
@@ -4155,7 +4138,7 @@
                 </a:tc>
                 <a:extLst>
                   <a:ext uri="{0D108BD9-81ED-4DB2-BD59-A6C34878D82A}">
-                    <a16:rowId xmlns="" xmlns:a16="http://schemas.microsoft.com/office/drawing/2014/main" val="10003"/>
+                    <a16:rowId xmlns:a16="http://schemas.microsoft.com/office/drawing/2014/main" xmlns="" val="10003"/>
                   </a:ext>
                 </a:extLst>
               </a:tr>
@@ -4193,7 +4176,7 @@
           <p:cNvPr id="4" name="スライド番号プレースホルダー 3">
             <a:extLst>
               <a:ext uri="{FF2B5EF4-FFF2-40B4-BE49-F238E27FC236}">
-                <a16:creationId xmlns="" xmlns:a16="http://schemas.microsoft.com/office/drawing/2014/main" id="{0CF9481B-BB67-41C6-8CF2-054B93E183F2}"/>
+                <a16:creationId xmlns:a16="http://schemas.microsoft.com/office/drawing/2014/main" xmlns="" id="{0CF9481B-BB67-41C6-8CF2-054B93E183F2}"/>
               </a:ext>
             </a:extLst>
           </p:cNvPr>
@@ -4227,7 +4210,7 @@
           <p:nvPr>
             <p:extLst>
               <p:ext uri="{D42A27DB-BD31-4B8C-83A1-F6EECF244321}">
-                <p14:modId xmlns="" xmlns:p14="http://schemas.microsoft.com/office/powerpoint/2010/main" val="612755325"/>
+                <p14:modId xmlns:p14="http://schemas.microsoft.com/office/powerpoint/2010/main" xmlns="" val="612755325"/>
               </p:ext>
             </p:extLst>
           </p:nvPr>
@@ -4246,42 +4229,42 @@
                 <a:gridCol w="1671637">
                   <a:extLst>
                     <a:ext uri="{9D8B030D-6E8A-4147-A177-3AD203B41FA5}">
-                      <a16:colId xmlns="" xmlns:a16="http://schemas.microsoft.com/office/drawing/2014/main" val="20000"/>
+                      <a16:colId xmlns:a16="http://schemas.microsoft.com/office/drawing/2014/main" xmlns="" val="20000"/>
                     </a:ext>
                   </a:extLst>
                 </a:gridCol>
                 <a:gridCol w="3822701">
                   <a:extLst>
                     <a:ext uri="{9D8B030D-6E8A-4147-A177-3AD203B41FA5}">
-                      <a16:colId xmlns="" xmlns:a16="http://schemas.microsoft.com/office/drawing/2014/main" val="20001"/>
+                      <a16:colId xmlns:a16="http://schemas.microsoft.com/office/drawing/2014/main" xmlns="" val="20001"/>
                     </a:ext>
                   </a:extLst>
                 </a:gridCol>
                 <a:gridCol w="1003299">
                   <a:extLst>
                     <a:ext uri="{9D8B030D-6E8A-4147-A177-3AD203B41FA5}">
-                      <a16:colId xmlns="" xmlns:a16="http://schemas.microsoft.com/office/drawing/2014/main" val="20002"/>
+                      <a16:colId xmlns:a16="http://schemas.microsoft.com/office/drawing/2014/main" xmlns="" val="20002"/>
                     </a:ext>
                   </a:extLst>
                 </a:gridCol>
                 <a:gridCol w="1887415">
                   <a:extLst>
                     <a:ext uri="{9D8B030D-6E8A-4147-A177-3AD203B41FA5}">
-                      <a16:colId xmlns="" xmlns:a16="http://schemas.microsoft.com/office/drawing/2014/main" val="20003"/>
+                      <a16:colId xmlns:a16="http://schemas.microsoft.com/office/drawing/2014/main" xmlns="" val="20003"/>
                     </a:ext>
                   </a:extLst>
                 </a:gridCol>
                 <a:gridCol w="961293">
                   <a:extLst>
                     <a:ext uri="{9D8B030D-6E8A-4147-A177-3AD203B41FA5}">
-                      <a16:colId xmlns="" xmlns:a16="http://schemas.microsoft.com/office/drawing/2014/main" val="20004"/>
+                      <a16:colId xmlns:a16="http://schemas.microsoft.com/office/drawing/2014/main" xmlns="" val="20004"/>
                     </a:ext>
                   </a:extLst>
                 </a:gridCol>
                 <a:gridCol w="1642333">
                   <a:extLst>
                     <a:ext uri="{9D8B030D-6E8A-4147-A177-3AD203B41FA5}">
-                      <a16:colId xmlns="" xmlns:a16="http://schemas.microsoft.com/office/drawing/2014/main" val="20005"/>
+                      <a16:colId xmlns:a16="http://schemas.microsoft.com/office/drawing/2014/main" xmlns="" val="20005"/>
                     </a:ext>
                   </a:extLst>
                 </a:gridCol>
@@ -4382,7 +4365,7 @@
                 </a:tc>
                 <a:extLst>
                   <a:ext uri="{0D108BD9-81ED-4DB2-BD59-A6C34878D82A}">
-                    <a16:rowId xmlns="" xmlns:a16="http://schemas.microsoft.com/office/drawing/2014/main" val="10000"/>
+                    <a16:rowId xmlns:a16="http://schemas.microsoft.com/office/drawing/2014/main" xmlns="" val="10000"/>
                   </a:ext>
                 </a:extLst>
               </a:tr>
@@ -4393,7 +4376,7 @@
     </p:spTree>
     <p:extLst>
       <p:ext uri="{BB962C8B-B14F-4D97-AF65-F5344CB8AC3E}">
-        <p14:creationId xmlns="" xmlns:p14="http://schemas.microsoft.com/office/powerpoint/2010/main" val="3816830875"/>
+        <p14:creationId xmlns:p14="http://schemas.microsoft.com/office/powerpoint/2010/main" xmlns="" val="3816830875"/>
       </p:ext>
     </p:extLst>
   </p:cSld>
@@ -4631,7 +4614,7 @@
   <a:extraClrSchemeLst/>
   <a:extLst>
     <a:ext uri="{05A4C25C-085E-4340-85A3-A5531E510DB2}">
-      <thm15:themeFamily xmlns="" xmlns:thm15="http://schemas.microsoft.com/office/thememl/2012/main" name="Gips" id="{8143D5AD-E039-4082-8312-C3AD092E6E5E}" vid="{B45254E5-60AD-4347-B208-823FFFD2FCD0}"/>
+      <thm15:themeFamily xmlns:thm15="http://schemas.microsoft.com/office/thememl/2012/main" xmlns="" name="Gips" id="{8143D5AD-E039-4082-8312-C3AD092E6E5E}" vid="{B45254E5-60AD-4347-B208-823FFFD2FCD0}"/>
     </a:ext>
   </a:extLst>
 </a:theme>
@@ -4892,7 +4875,7 @@
   <a:extraClrSchemeLst/>
   <a:extLst>
     <a:ext uri="{05A4C25C-085E-4340-85A3-A5531E510DB2}">
-      <thm15:themeFamily xmlns="" xmlns:thm15="http://schemas.microsoft.com/office/thememl/2012/main" name="Office Theme" id="{62F939B6-93AF-4DB8-9C6B-D6C7DFDC589F}" vid="{4A3C46E8-61CC-4603-A589-7422A47A8E4A}"/>
+      <thm15:themeFamily xmlns:thm15="http://schemas.microsoft.com/office/thememl/2012/main" xmlns="" name="Office Theme" id="{62F939B6-93AF-4DB8-9C6B-D6C7DFDC589F}" vid="{4A3C46E8-61CC-4603-A589-7422A47A8E4A}"/>
     </a:ext>
   </a:extLst>
 </a:theme>
@@ -5153,7 +5136,7 @@
   <a:extraClrSchemeLst/>
   <a:extLst>
     <a:ext uri="{05A4C25C-085E-4340-85A3-A5531E510DB2}">
-      <thm15:themeFamily xmlns="" xmlns:thm15="http://schemas.microsoft.com/office/thememl/2012/main" name="Office Theme" id="{62F939B6-93AF-4DB8-9C6B-D6C7DFDC589F}" vid="{4A3C46E8-61CC-4603-A589-7422A47A8E4A}"/>
+      <thm15:themeFamily xmlns:thm15="http://schemas.microsoft.com/office/thememl/2012/main" xmlns="" name="Office Theme" id="{62F939B6-93AF-4DB8-9C6B-D6C7DFDC589F}" vid="{4A3C46E8-61CC-4603-A589-7422A47A8E4A}"/>
     </a:ext>
   </a:extLst>
 </a:theme>
